--- a/assets/tactile_image_files/0042-alpine_glacier/0042-alpine_glacier.pptx
+++ b/assets/tactile_image_files/0042-alpine_glacier/0042-alpine_glacier.pptx
@@ -198,7 +198,7 @@
           </a:lstStyle>
           <a:p>
             <a:fld id="{DC880F74-5F87-E94E-8AEF-72C270124CC0}" type="datetimeFigureOut">
-              <a:t>7/24/20</a:t>
+              <a:t>7/12/21</a:t>
             </a:fld>
             <a:endParaRPr lang="en-US"/>
           </a:p>
@@ -603,7 +603,7 @@
           <a:p>
             <a:fld id="{E796F801-3BB8-A247-923B-F07F1B58D38A}" type="datetimeFigureOut">
               <a:rPr lang="en-US" smtClean="0"/>
-              <a:t>7/24/20</a:t>
+              <a:t>7/12/21</a:t>
             </a:fld>
             <a:endParaRPr lang="en-US"/>
           </a:p>
@@ -783,7 +783,7 @@
           <a:p>
             <a:fld id="{E796F801-3BB8-A247-923B-F07F1B58D38A}" type="datetimeFigureOut">
               <a:rPr lang="en-US" smtClean="0"/>
-              <a:t>7/24/20</a:t>
+              <a:t>7/12/21</a:t>
             </a:fld>
             <a:endParaRPr lang="en-US"/>
           </a:p>
@@ -953,7 +953,7 @@
           <a:p>
             <a:fld id="{E796F801-3BB8-A247-923B-F07F1B58D38A}" type="datetimeFigureOut">
               <a:rPr lang="en-US" smtClean="0"/>
-              <a:t>7/24/20</a:t>
+              <a:t>7/12/21</a:t>
             </a:fld>
             <a:endParaRPr lang="en-US"/>
           </a:p>
@@ -1197,7 +1197,7 @@
           <a:p>
             <a:fld id="{E796F801-3BB8-A247-923B-F07F1B58D38A}" type="datetimeFigureOut">
               <a:rPr lang="en-US" smtClean="0"/>
-              <a:t>7/24/20</a:t>
+              <a:t>7/12/21</a:t>
             </a:fld>
             <a:endParaRPr lang="en-US"/>
           </a:p>
@@ -1429,7 +1429,7 @@
           <a:p>
             <a:fld id="{E796F801-3BB8-A247-923B-F07F1B58D38A}" type="datetimeFigureOut">
               <a:rPr lang="en-US" smtClean="0"/>
-              <a:t>7/24/20</a:t>
+              <a:t>7/12/21</a:t>
             </a:fld>
             <a:endParaRPr lang="en-US"/>
           </a:p>
@@ -1796,7 +1796,7 @@
           <a:p>
             <a:fld id="{E796F801-3BB8-A247-923B-F07F1B58D38A}" type="datetimeFigureOut">
               <a:rPr lang="en-US" smtClean="0"/>
-              <a:t>7/24/20</a:t>
+              <a:t>7/12/21</a:t>
             </a:fld>
             <a:endParaRPr lang="en-US"/>
           </a:p>
@@ -1914,7 +1914,7 @@
           <a:p>
             <a:fld id="{E796F801-3BB8-A247-923B-F07F1B58D38A}" type="datetimeFigureOut">
               <a:rPr lang="en-US" smtClean="0"/>
-              <a:t>7/24/20</a:t>
+              <a:t>7/12/21</a:t>
             </a:fld>
             <a:endParaRPr lang="en-US"/>
           </a:p>
@@ -2009,7 +2009,7 @@
           <a:p>
             <a:fld id="{E796F801-3BB8-A247-923B-F07F1B58D38A}" type="datetimeFigureOut">
               <a:rPr lang="en-US" smtClean="0"/>
-              <a:t>7/24/20</a:t>
+              <a:t>7/12/21</a:t>
             </a:fld>
             <a:endParaRPr lang="en-US"/>
           </a:p>
@@ -2286,7 +2286,7 @@
           <a:p>
             <a:fld id="{E796F801-3BB8-A247-923B-F07F1B58D38A}" type="datetimeFigureOut">
               <a:rPr lang="en-US" smtClean="0"/>
-              <a:t>7/24/20</a:t>
+              <a:t>7/12/21</a:t>
             </a:fld>
             <a:endParaRPr lang="en-US"/>
           </a:p>
@@ -2543,7 +2543,7 @@
           <a:p>
             <a:fld id="{E796F801-3BB8-A247-923B-F07F1B58D38A}" type="datetimeFigureOut">
               <a:rPr lang="en-US" smtClean="0"/>
-              <a:t>7/24/20</a:t>
+              <a:t>7/12/21</a:t>
             </a:fld>
             <a:endParaRPr lang="en-US"/>
           </a:p>
@@ -2756,7 +2756,7 @@
           <a:p>
             <a:fld id="{E796F801-3BB8-A247-923B-F07F1B58D38A}" type="datetimeFigureOut">
               <a:rPr lang="en-US" smtClean="0"/>
-              <a:t>7/24/20</a:t>
+              <a:t>7/12/21</a:t>
             </a:fld>
             <a:endParaRPr lang="en-US"/>
           </a:p>
@@ -3356,804 +3356,6 @@
       </p:sp>
       <p:sp>
         <p:nvSpPr>
-          <p:cNvPr id="12" name="Oval 11">
-            <a:extLst>
-              <a:ext uri="{FF2B5EF4-FFF2-40B4-BE49-F238E27FC236}">
-                <a16:creationId xmlns:a16="http://schemas.microsoft.com/office/drawing/2014/main" id="{04F34A6C-F429-0045-9351-701841C68CA2}"/>
-              </a:ext>
-            </a:extLst>
-          </p:cNvPr>
-          <p:cNvSpPr/>
-          <p:nvPr/>
-        </p:nvSpPr>
-        <p:spPr>
-          <a:xfrm>
-            <a:off x="2583712" y="1477926"/>
-            <a:ext cx="74427" cy="74427"/>
-          </a:xfrm>
-          <a:prstGeom prst="ellipse">
-            <a:avLst/>
-          </a:prstGeom>
-          <a:solidFill>
-            <a:schemeClr val="tx1"/>
-          </a:solidFill>
-          <a:ln>
-            <a:solidFill>
-              <a:schemeClr val="tx1"/>
-            </a:solidFill>
-          </a:ln>
-        </p:spPr>
-        <p:style>
-          <a:lnRef idx="2">
-            <a:schemeClr val="accent1">
-              <a:shade val="50000"/>
-            </a:schemeClr>
-          </a:lnRef>
-          <a:fillRef idx="1">
-            <a:schemeClr val="accent1"/>
-          </a:fillRef>
-          <a:effectRef idx="0">
-            <a:schemeClr val="accent1"/>
-          </a:effectRef>
-          <a:fontRef idx="minor">
-            <a:schemeClr val="lt1"/>
-          </a:fontRef>
-        </p:style>
-        <p:txBody>
-          <a:bodyPr rtlCol="0" anchor="ctr"/>
-          <a:lstStyle/>
-          <a:p>
-            <a:pPr algn="ctr"/>
-            <a:endParaRPr lang="en-US">
-              <a:latin typeface="Arial" panose="020B0604020202020204" pitchFamily="34" charset="0"/>
-              <a:cs typeface="Arial" panose="020B0604020202020204" pitchFamily="34" charset="0"/>
-            </a:endParaRPr>
-          </a:p>
-        </p:txBody>
-      </p:sp>
-      <p:sp>
-        <p:nvSpPr>
-          <p:cNvPr id="13" name="Oval 12">
-            <a:extLst>
-              <a:ext uri="{FF2B5EF4-FFF2-40B4-BE49-F238E27FC236}">
-                <a16:creationId xmlns:a16="http://schemas.microsoft.com/office/drawing/2014/main" id="{5F096340-880C-3E45-8898-3622B1304704}"/>
-              </a:ext>
-            </a:extLst>
-          </p:cNvPr>
-          <p:cNvSpPr/>
-          <p:nvPr/>
-        </p:nvSpPr>
-        <p:spPr>
-          <a:xfrm>
-            <a:off x="2736112" y="1630326"/>
-            <a:ext cx="74427" cy="74427"/>
-          </a:xfrm>
-          <a:prstGeom prst="ellipse">
-            <a:avLst/>
-          </a:prstGeom>
-          <a:solidFill>
-            <a:schemeClr val="tx1"/>
-          </a:solidFill>
-          <a:ln>
-            <a:solidFill>
-              <a:schemeClr val="tx1"/>
-            </a:solidFill>
-          </a:ln>
-        </p:spPr>
-        <p:style>
-          <a:lnRef idx="2">
-            <a:schemeClr val="accent1">
-              <a:shade val="50000"/>
-            </a:schemeClr>
-          </a:lnRef>
-          <a:fillRef idx="1">
-            <a:schemeClr val="accent1"/>
-          </a:fillRef>
-          <a:effectRef idx="0">
-            <a:schemeClr val="accent1"/>
-          </a:effectRef>
-          <a:fontRef idx="minor">
-            <a:schemeClr val="lt1"/>
-          </a:fontRef>
-        </p:style>
-        <p:txBody>
-          <a:bodyPr rtlCol="0" anchor="ctr"/>
-          <a:lstStyle/>
-          <a:p>
-            <a:pPr algn="ctr"/>
-            <a:endParaRPr lang="en-US">
-              <a:latin typeface="Arial" panose="020B0604020202020204" pitchFamily="34" charset="0"/>
-              <a:cs typeface="Arial" panose="020B0604020202020204" pitchFamily="34" charset="0"/>
-            </a:endParaRPr>
-          </a:p>
-        </p:txBody>
-      </p:sp>
-      <p:sp>
-        <p:nvSpPr>
-          <p:cNvPr id="14" name="Oval 13">
-            <a:extLst>
-              <a:ext uri="{FF2B5EF4-FFF2-40B4-BE49-F238E27FC236}">
-                <a16:creationId xmlns:a16="http://schemas.microsoft.com/office/drawing/2014/main" id="{AE80651E-C608-824C-A22D-FB08C158EB84}"/>
-              </a:ext>
-            </a:extLst>
-          </p:cNvPr>
-          <p:cNvSpPr/>
-          <p:nvPr/>
-        </p:nvSpPr>
-        <p:spPr>
-          <a:xfrm>
-            <a:off x="2888512" y="1782726"/>
-            <a:ext cx="74427" cy="74427"/>
-          </a:xfrm>
-          <a:prstGeom prst="ellipse">
-            <a:avLst/>
-          </a:prstGeom>
-          <a:solidFill>
-            <a:schemeClr val="tx1"/>
-          </a:solidFill>
-          <a:ln>
-            <a:solidFill>
-              <a:schemeClr val="tx1"/>
-            </a:solidFill>
-          </a:ln>
-        </p:spPr>
-        <p:style>
-          <a:lnRef idx="2">
-            <a:schemeClr val="accent1">
-              <a:shade val="50000"/>
-            </a:schemeClr>
-          </a:lnRef>
-          <a:fillRef idx="1">
-            <a:schemeClr val="accent1"/>
-          </a:fillRef>
-          <a:effectRef idx="0">
-            <a:schemeClr val="accent1"/>
-          </a:effectRef>
-          <a:fontRef idx="minor">
-            <a:schemeClr val="lt1"/>
-          </a:fontRef>
-        </p:style>
-        <p:txBody>
-          <a:bodyPr rtlCol="0" anchor="ctr"/>
-          <a:lstStyle/>
-          <a:p>
-            <a:pPr algn="ctr"/>
-            <a:endParaRPr lang="en-US">
-              <a:latin typeface="Arial" panose="020B0604020202020204" pitchFamily="34" charset="0"/>
-              <a:cs typeface="Arial" panose="020B0604020202020204" pitchFamily="34" charset="0"/>
-            </a:endParaRPr>
-          </a:p>
-        </p:txBody>
-      </p:sp>
-      <p:sp>
-        <p:nvSpPr>
-          <p:cNvPr id="18" name="Oval 17">
-            <a:extLst>
-              <a:ext uri="{FF2B5EF4-FFF2-40B4-BE49-F238E27FC236}">
-                <a16:creationId xmlns:a16="http://schemas.microsoft.com/office/drawing/2014/main" id="{99E38D74-B277-AE4B-ABFC-5DCE9068D8CB}"/>
-              </a:ext>
-            </a:extLst>
-          </p:cNvPr>
-          <p:cNvSpPr/>
-          <p:nvPr/>
-        </p:nvSpPr>
-        <p:spPr>
-          <a:xfrm>
-            <a:off x="2934585" y="1488557"/>
-            <a:ext cx="74427" cy="74427"/>
-          </a:xfrm>
-          <a:prstGeom prst="ellipse">
-            <a:avLst/>
-          </a:prstGeom>
-          <a:solidFill>
-            <a:schemeClr val="tx1"/>
-          </a:solidFill>
-          <a:ln>
-            <a:solidFill>
-              <a:schemeClr val="tx1"/>
-            </a:solidFill>
-          </a:ln>
-        </p:spPr>
-        <p:style>
-          <a:lnRef idx="2">
-            <a:schemeClr val="accent1">
-              <a:shade val="50000"/>
-            </a:schemeClr>
-          </a:lnRef>
-          <a:fillRef idx="1">
-            <a:schemeClr val="accent1"/>
-          </a:fillRef>
-          <a:effectRef idx="0">
-            <a:schemeClr val="accent1"/>
-          </a:effectRef>
-          <a:fontRef idx="minor">
-            <a:schemeClr val="lt1"/>
-          </a:fontRef>
-        </p:style>
-        <p:txBody>
-          <a:bodyPr rtlCol="0" anchor="ctr"/>
-          <a:lstStyle/>
-          <a:p>
-            <a:pPr algn="ctr"/>
-            <a:endParaRPr lang="en-US">
-              <a:latin typeface="Arial" panose="020B0604020202020204" pitchFamily="34" charset="0"/>
-              <a:cs typeface="Arial" panose="020B0604020202020204" pitchFamily="34" charset="0"/>
-            </a:endParaRPr>
-          </a:p>
-        </p:txBody>
-      </p:sp>
-      <p:sp>
-        <p:nvSpPr>
-          <p:cNvPr id="19" name="Oval 18">
-            <a:extLst>
-              <a:ext uri="{FF2B5EF4-FFF2-40B4-BE49-F238E27FC236}">
-                <a16:creationId xmlns:a16="http://schemas.microsoft.com/office/drawing/2014/main" id="{4E456262-1CFF-974D-986D-8705EB33C459}"/>
-              </a:ext>
-            </a:extLst>
-          </p:cNvPr>
-          <p:cNvSpPr/>
-          <p:nvPr/>
-        </p:nvSpPr>
-        <p:spPr>
-          <a:xfrm>
-            <a:off x="3086985" y="1640957"/>
-            <a:ext cx="74427" cy="74427"/>
-          </a:xfrm>
-          <a:prstGeom prst="ellipse">
-            <a:avLst/>
-          </a:prstGeom>
-          <a:solidFill>
-            <a:schemeClr val="tx1"/>
-          </a:solidFill>
-          <a:ln>
-            <a:solidFill>
-              <a:schemeClr val="tx1"/>
-            </a:solidFill>
-          </a:ln>
-        </p:spPr>
-        <p:style>
-          <a:lnRef idx="2">
-            <a:schemeClr val="accent1">
-              <a:shade val="50000"/>
-            </a:schemeClr>
-          </a:lnRef>
-          <a:fillRef idx="1">
-            <a:schemeClr val="accent1"/>
-          </a:fillRef>
-          <a:effectRef idx="0">
-            <a:schemeClr val="accent1"/>
-          </a:effectRef>
-          <a:fontRef idx="minor">
-            <a:schemeClr val="lt1"/>
-          </a:fontRef>
-        </p:style>
-        <p:txBody>
-          <a:bodyPr rtlCol="0" anchor="ctr"/>
-          <a:lstStyle/>
-          <a:p>
-            <a:pPr algn="ctr"/>
-            <a:endParaRPr lang="en-US">
-              <a:latin typeface="Arial" panose="020B0604020202020204" pitchFamily="34" charset="0"/>
-              <a:cs typeface="Arial" panose="020B0604020202020204" pitchFamily="34" charset="0"/>
-            </a:endParaRPr>
-          </a:p>
-        </p:txBody>
-      </p:sp>
-      <p:sp>
-        <p:nvSpPr>
-          <p:cNvPr id="20" name="Oval 19">
-            <a:extLst>
-              <a:ext uri="{FF2B5EF4-FFF2-40B4-BE49-F238E27FC236}">
-                <a16:creationId xmlns:a16="http://schemas.microsoft.com/office/drawing/2014/main" id="{EFD74EB0-C47E-A947-AC2C-3EC3D7D7935B}"/>
-              </a:ext>
-            </a:extLst>
-          </p:cNvPr>
-          <p:cNvSpPr/>
-          <p:nvPr/>
-        </p:nvSpPr>
-        <p:spPr>
-          <a:xfrm>
-            <a:off x="3239385" y="1793357"/>
-            <a:ext cx="74427" cy="74427"/>
-          </a:xfrm>
-          <a:prstGeom prst="ellipse">
-            <a:avLst/>
-          </a:prstGeom>
-          <a:solidFill>
-            <a:schemeClr val="tx1"/>
-          </a:solidFill>
-          <a:ln>
-            <a:solidFill>
-              <a:schemeClr val="tx1"/>
-            </a:solidFill>
-          </a:ln>
-        </p:spPr>
-        <p:style>
-          <a:lnRef idx="2">
-            <a:schemeClr val="accent1">
-              <a:shade val="50000"/>
-            </a:schemeClr>
-          </a:lnRef>
-          <a:fillRef idx="1">
-            <a:schemeClr val="accent1"/>
-          </a:fillRef>
-          <a:effectRef idx="0">
-            <a:schemeClr val="accent1"/>
-          </a:effectRef>
-          <a:fontRef idx="minor">
-            <a:schemeClr val="lt1"/>
-          </a:fontRef>
-        </p:style>
-        <p:txBody>
-          <a:bodyPr rtlCol="0" anchor="ctr"/>
-          <a:lstStyle/>
-          <a:p>
-            <a:pPr algn="ctr"/>
-            <a:endParaRPr lang="en-US">
-              <a:latin typeface="Arial" panose="020B0604020202020204" pitchFamily="34" charset="0"/>
-              <a:cs typeface="Arial" panose="020B0604020202020204" pitchFamily="34" charset="0"/>
-            </a:endParaRPr>
-          </a:p>
-        </p:txBody>
-      </p:sp>
-      <p:sp>
-        <p:nvSpPr>
-          <p:cNvPr id="23" name="Oval 22">
-            <a:extLst>
-              <a:ext uri="{FF2B5EF4-FFF2-40B4-BE49-F238E27FC236}">
-                <a16:creationId xmlns:a16="http://schemas.microsoft.com/office/drawing/2014/main" id="{5B11672A-7F39-9847-9229-26D5A975020D}"/>
-              </a:ext>
-            </a:extLst>
-          </p:cNvPr>
-          <p:cNvSpPr/>
-          <p:nvPr/>
-        </p:nvSpPr>
-        <p:spPr>
-          <a:xfrm>
-            <a:off x="3537096" y="1655131"/>
-            <a:ext cx="74427" cy="74427"/>
-          </a:xfrm>
-          <a:prstGeom prst="ellipse">
-            <a:avLst/>
-          </a:prstGeom>
-          <a:solidFill>
-            <a:schemeClr val="tx1"/>
-          </a:solidFill>
-          <a:ln>
-            <a:solidFill>
-              <a:schemeClr val="tx1"/>
-            </a:solidFill>
-          </a:ln>
-        </p:spPr>
-        <p:style>
-          <a:lnRef idx="2">
-            <a:schemeClr val="accent1">
-              <a:shade val="50000"/>
-            </a:schemeClr>
-          </a:lnRef>
-          <a:fillRef idx="1">
-            <a:schemeClr val="accent1"/>
-          </a:fillRef>
-          <a:effectRef idx="0">
-            <a:schemeClr val="accent1"/>
-          </a:effectRef>
-          <a:fontRef idx="minor">
-            <a:schemeClr val="lt1"/>
-          </a:fontRef>
-        </p:style>
-        <p:txBody>
-          <a:bodyPr rtlCol="0" anchor="ctr"/>
-          <a:lstStyle/>
-          <a:p>
-            <a:pPr algn="ctr"/>
-            <a:endParaRPr lang="en-US">
-              <a:latin typeface="Arial" panose="020B0604020202020204" pitchFamily="34" charset="0"/>
-              <a:cs typeface="Arial" panose="020B0604020202020204" pitchFamily="34" charset="0"/>
-            </a:endParaRPr>
-          </a:p>
-        </p:txBody>
-      </p:sp>
-      <p:sp>
-        <p:nvSpPr>
-          <p:cNvPr id="24" name="Oval 23">
-            <a:extLst>
-              <a:ext uri="{FF2B5EF4-FFF2-40B4-BE49-F238E27FC236}">
-                <a16:creationId xmlns:a16="http://schemas.microsoft.com/office/drawing/2014/main" id="{6835644A-37B2-CF4C-AEE3-5D24F78420A1}"/>
-              </a:ext>
-            </a:extLst>
-          </p:cNvPr>
-          <p:cNvSpPr/>
-          <p:nvPr/>
-        </p:nvSpPr>
-        <p:spPr>
-          <a:xfrm>
-            <a:off x="3689496" y="1807531"/>
-            <a:ext cx="74427" cy="74427"/>
-          </a:xfrm>
-          <a:prstGeom prst="ellipse">
-            <a:avLst/>
-          </a:prstGeom>
-          <a:solidFill>
-            <a:schemeClr val="tx1"/>
-          </a:solidFill>
-          <a:ln>
-            <a:solidFill>
-              <a:schemeClr val="tx1"/>
-            </a:solidFill>
-          </a:ln>
-        </p:spPr>
-        <p:style>
-          <a:lnRef idx="2">
-            <a:schemeClr val="accent1">
-              <a:shade val="50000"/>
-            </a:schemeClr>
-          </a:lnRef>
-          <a:fillRef idx="1">
-            <a:schemeClr val="accent1"/>
-          </a:fillRef>
-          <a:effectRef idx="0">
-            <a:schemeClr val="accent1"/>
-          </a:effectRef>
-          <a:fontRef idx="minor">
-            <a:schemeClr val="lt1"/>
-          </a:fontRef>
-        </p:style>
-        <p:txBody>
-          <a:bodyPr rtlCol="0" anchor="ctr"/>
-          <a:lstStyle/>
-          <a:p>
-            <a:pPr algn="ctr"/>
-            <a:endParaRPr lang="en-US">
-              <a:latin typeface="Arial" panose="020B0604020202020204" pitchFamily="34" charset="0"/>
-              <a:cs typeface="Arial" panose="020B0604020202020204" pitchFamily="34" charset="0"/>
-            </a:endParaRPr>
-          </a:p>
-        </p:txBody>
-      </p:sp>
-      <p:sp>
-        <p:nvSpPr>
-          <p:cNvPr id="25" name="Oval 24">
-            <a:extLst>
-              <a:ext uri="{FF2B5EF4-FFF2-40B4-BE49-F238E27FC236}">
-                <a16:creationId xmlns:a16="http://schemas.microsoft.com/office/drawing/2014/main" id="{74336740-2047-AC4E-9E0F-989EDCBA2F6D}"/>
-              </a:ext>
-            </a:extLst>
-          </p:cNvPr>
-          <p:cNvSpPr/>
-          <p:nvPr/>
-        </p:nvSpPr>
-        <p:spPr>
-          <a:xfrm>
-            <a:off x="3416593" y="1513364"/>
-            <a:ext cx="74427" cy="74427"/>
-          </a:xfrm>
-          <a:prstGeom prst="ellipse">
-            <a:avLst/>
-          </a:prstGeom>
-          <a:solidFill>
-            <a:schemeClr val="tx1"/>
-          </a:solidFill>
-          <a:ln>
-            <a:solidFill>
-              <a:schemeClr val="tx1"/>
-            </a:solidFill>
-          </a:ln>
-        </p:spPr>
-        <p:style>
-          <a:lnRef idx="2">
-            <a:schemeClr val="accent1">
-              <a:shade val="50000"/>
-            </a:schemeClr>
-          </a:lnRef>
-          <a:fillRef idx="1">
-            <a:schemeClr val="accent1"/>
-          </a:fillRef>
-          <a:effectRef idx="0">
-            <a:schemeClr val="accent1"/>
-          </a:effectRef>
-          <a:fontRef idx="minor">
-            <a:schemeClr val="lt1"/>
-          </a:fontRef>
-        </p:style>
-        <p:txBody>
-          <a:bodyPr rtlCol="0" anchor="ctr"/>
-          <a:lstStyle/>
-          <a:p>
-            <a:pPr algn="ctr"/>
-            <a:endParaRPr lang="en-US">
-              <a:latin typeface="Arial" panose="020B0604020202020204" pitchFamily="34" charset="0"/>
-              <a:cs typeface="Arial" panose="020B0604020202020204" pitchFamily="34" charset="0"/>
-            </a:endParaRPr>
-          </a:p>
-        </p:txBody>
-      </p:sp>
-      <p:sp>
-        <p:nvSpPr>
-          <p:cNvPr id="29" name="Oval 28">
-            <a:extLst>
-              <a:ext uri="{FF2B5EF4-FFF2-40B4-BE49-F238E27FC236}">
-                <a16:creationId xmlns:a16="http://schemas.microsoft.com/office/drawing/2014/main" id="{C40E8E84-AFC8-E147-9312-A92189018F53}"/>
-              </a:ext>
-            </a:extLst>
-          </p:cNvPr>
-          <p:cNvSpPr/>
-          <p:nvPr/>
-        </p:nvSpPr>
-        <p:spPr>
-          <a:xfrm>
-            <a:off x="3809995" y="1587788"/>
-            <a:ext cx="74427" cy="74427"/>
-          </a:xfrm>
-          <a:prstGeom prst="ellipse">
-            <a:avLst/>
-          </a:prstGeom>
-          <a:solidFill>
-            <a:schemeClr val="tx1"/>
-          </a:solidFill>
-          <a:ln>
-            <a:solidFill>
-              <a:schemeClr val="tx1"/>
-            </a:solidFill>
-          </a:ln>
-        </p:spPr>
-        <p:style>
-          <a:lnRef idx="2">
-            <a:schemeClr val="accent1">
-              <a:shade val="50000"/>
-            </a:schemeClr>
-          </a:lnRef>
-          <a:fillRef idx="1">
-            <a:schemeClr val="accent1"/>
-          </a:fillRef>
-          <a:effectRef idx="0">
-            <a:schemeClr val="accent1"/>
-          </a:effectRef>
-          <a:fontRef idx="minor">
-            <a:schemeClr val="lt1"/>
-          </a:fontRef>
-        </p:style>
-        <p:txBody>
-          <a:bodyPr rtlCol="0" anchor="ctr"/>
-          <a:lstStyle/>
-          <a:p>
-            <a:pPr algn="ctr"/>
-            <a:endParaRPr lang="en-US">
-              <a:latin typeface="Arial" panose="020B0604020202020204" pitchFamily="34" charset="0"/>
-              <a:cs typeface="Arial" panose="020B0604020202020204" pitchFamily="34" charset="0"/>
-            </a:endParaRPr>
-          </a:p>
-        </p:txBody>
-      </p:sp>
-      <p:sp>
-        <p:nvSpPr>
-          <p:cNvPr id="30" name="Oval 29">
-            <a:extLst>
-              <a:ext uri="{FF2B5EF4-FFF2-40B4-BE49-F238E27FC236}">
-                <a16:creationId xmlns:a16="http://schemas.microsoft.com/office/drawing/2014/main" id="{8E6DD704-20E2-184D-A2B9-F62A78144AED}"/>
-              </a:ext>
-            </a:extLst>
-          </p:cNvPr>
-          <p:cNvSpPr/>
-          <p:nvPr/>
-        </p:nvSpPr>
-        <p:spPr>
-          <a:xfrm>
-            <a:off x="3962395" y="1740188"/>
-            <a:ext cx="74427" cy="74427"/>
-          </a:xfrm>
-          <a:prstGeom prst="ellipse">
-            <a:avLst/>
-          </a:prstGeom>
-          <a:solidFill>
-            <a:schemeClr val="tx1"/>
-          </a:solidFill>
-          <a:ln>
-            <a:solidFill>
-              <a:schemeClr val="tx1"/>
-            </a:solidFill>
-          </a:ln>
-        </p:spPr>
-        <p:style>
-          <a:lnRef idx="2">
-            <a:schemeClr val="accent1">
-              <a:shade val="50000"/>
-            </a:schemeClr>
-          </a:lnRef>
-          <a:fillRef idx="1">
-            <a:schemeClr val="accent1"/>
-          </a:fillRef>
-          <a:effectRef idx="0">
-            <a:schemeClr val="accent1"/>
-          </a:effectRef>
-          <a:fontRef idx="minor">
-            <a:schemeClr val="lt1"/>
-          </a:fontRef>
-        </p:style>
-        <p:txBody>
-          <a:bodyPr rtlCol="0" anchor="ctr"/>
-          <a:lstStyle/>
-          <a:p>
-            <a:pPr algn="ctr"/>
-            <a:endParaRPr lang="en-US">
-              <a:latin typeface="Arial" panose="020B0604020202020204" pitchFamily="34" charset="0"/>
-              <a:cs typeface="Arial" panose="020B0604020202020204" pitchFamily="34" charset="0"/>
-            </a:endParaRPr>
-          </a:p>
-        </p:txBody>
-      </p:sp>
-      <p:sp>
-        <p:nvSpPr>
-          <p:cNvPr id="32" name="Oval 31">
-            <a:extLst>
-              <a:ext uri="{FF2B5EF4-FFF2-40B4-BE49-F238E27FC236}">
-                <a16:creationId xmlns:a16="http://schemas.microsoft.com/office/drawing/2014/main" id="{27542D74-ABA1-C44F-88D6-1CC09A619752}"/>
-              </a:ext>
-            </a:extLst>
-          </p:cNvPr>
-          <p:cNvSpPr/>
-          <p:nvPr/>
-        </p:nvSpPr>
-        <p:spPr>
-          <a:xfrm>
-            <a:off x="2165490" y="1442473"/>
-            <a:ext cx="74427" cy="74427"/>
-          </a:xfrm>
-          <a:prstGeom prst="ellipse">
-            <a:avLst/>
-          </a:prstGeom>
-          <a:solidFill>
-            <a:schemeClr val="tx1"/>
-          </a:solidFill>
-          <a:ln>
-            <a:solidFill>
-              <a:schemeClr val="tx1"/>
-            </a:solidFill>
-          </a:ln>
-        </p:spPr>
-        <p:style>
-          <a:lnRef idx="2">
-            <a:schemeClr val="accent1">
-              <a:shade val="50000"/>
-            </a:schemeClr>
-          </a:lnRef>
-          <a:fillRef idx="1">
-            <a:schemeClr val="accent1"/>
-          </a:fillRef>
-          <a:effectRef idx="0">
-            <a:schemeClr val="accent1"/>
-          </a:effectRef>
-          <a:fontRef idx="minor">
-            <a:schemeClr val="lt1"/>
-          </a:fontRef>
-        </p:style>
-        <p:txBody>
-          <a:bodyPr rtlCol="0" anchor="ctr"/>
-          <a:lstStyle/>
-          <a:p>
-            <a:pPr algn="ctr"/>
-            <a:endParaRPr lang="en-US">
-              <a:latin typeface="Arial" panose="020B0604020202020204" pitchFamily="34" charset="0"/>
-              <a:cs typeface="Arial" panose="020B0604020202020204" pitchFamily="34" charset="0"/>
-            </a:endParaRPr>
-          </a:p>
-        </p:txBody>
-      </p:sp>
-      <p:sp>
-        <p:nvSpPr>
-          <p:cNvPr id="33" name="Oval 32">
-            <a:extLst>
-              <a:ext uri="{FF2B5EF4-FFF2-40B4-BE49-F238E27FC236}">
-                <a16:creationId xmlns:a16="http://schemas.microsoft.com/office/drawing/2014/main" id="{BE258CBF-8644-F247-834C-C402B9959833}"/>
-              </a:ext>
-            </a:extLst>
-          </p:cNvPr>
-          <p:cNvSpPr/>
-          <p:nvPr/>
-        </p:nvSpPr>
-        <p:spPr>
-          <a:xfrm>
-            <a:off x="2317890" y="1594873"/>
-            <a:ext cx="74427" cy="74427"/>
-          </a:xfrm>
-          <a:prstGeom prst="ellipse">
-            <a:avLst/>
-          </a:prstGeom>
-          <a:solidFill>
-            <a:schemeClr val="tx1"/>
-          </a:solidFill>
-          <a:ln>
-            <a:solidFill>
-              <a:schemeClr val="tx1"/>
-            </a:solidFill>
-          </a:ln>
-        </p:spPr>
-        <p:style>
-          <a:lnRef idx="2">
-            <a:schemeClr val="accent1">
-              <a:shade val="50000"/>
-            </a:schemeClr>
-          </a:lnRef>
-          <a:fillRef idx="1">
-            <a:schemeClr val="accent1"/>
-          </a:fillRef>
-          <a:effectRef idx="0">
-            <a:schemeClr val="accent1"/>
-          </a:effectRef>
-          <a:fontRef idx="minor">
-            <a:schemeClr val="lt1"/>
-          </a:fontRef>
-        </p:style>
-        <p:txBody>
-          <a:bodyPr rtlCol="0" anchor="ctr"/>
-          <a:lstStyle/>
-          <a:p>
-            <a:pPr algn="ctr"/>
-            <a:endParaRPr lang="en-US">
-              <a:latin typeface="Arial" panose="020B0604020202020204" pitchFamily="34" charset="0"/>
-              <a:cs typeface="Arial" panose="020B0604020202020204" pitchFamily="34" charset="0"/>
-            </a:endParaRPr>
-          </a:p>
-        </p:txBody>
-      </p:sp>
-      <p:sp>
-        <p:nvSpPr>
-          <p:cNvPr id="34" name="Oval 33">
-            <a:extLst>
-              <a:ext uri="{FF2B5EF4-FFF2-40B4-BE49-F238E27FC236}">
-                <a16:creationId xmlns:a16="http://schemas.microsoft.com/office/drawing/2014/main" id="{0D26240F-1792-C64B-AEB1-183D52C50B24}"/>
-              </a:ext>
-            </a:extLst>
-          </p:cNvPr>
-          <p:cNvSpPr/>
-          <p:nvPr/>
-        </p:nvSpPr>
-        <p:spPr>
-          <a:xfrm>
-            <a:off x="2470290" y="1747273"/>
-            <a:ext cx="74427" cy="74427"/>
-          </a:xfrm>
-          <a:prstGeom prst="ellipse">
-            <a:avLst/>
-          </a:prstGeom>
-          <a:solidFill>
-            <a:schemeClr val="tx1"/>
-          </a:solidFill>
-          <a:ln>
-            <a:solidFill>
-              <a:schemeClr val="tx1"/>
-            </a:solidFill>
-          </a:ln>
-        </p:spPr>
-        <p:style>
-          <a:lnRef idx="2">
-            <a:schemeClr val="accent1">
-              <a:shade val="50000"/>
-            </a:schemeClr>
-          </a:lnRef>
-          <a:fillRef idx="1">
-            <a:schemeClr val="accent1"/>
-          </a:fillRef>
-          <a:effectRef idx="0">
-            <a:schemeClr val="accent1"/>
-          </a:effectRef>
-          <a:fontRef idx="minor">
-            <a:schemeClr val="lt1"/>
-          </a:fontRef>
-        </p:style>
-        <p:txBody>
-          <a:bodyPr rtlCol="0" anchor="ctr"/>
-          <a:lstStyle/>
-          <a:p>
-            <a:pPr algn="ctr"/>
-            <a:endParaRPr lang="en-US">
-              <a:latin typeface="Arial" panose="020B0604020202020204" pitchFamily="34" charset="0"/>
-              <a:cs typeface="Arial" panose="020B0604020202020204" pitchFamily="34" charset="0"/>
-            </a:endParaRPr>
-          </a:p>
-        </p:txBody>
-      </p:sp>
-      <p:sp>
-        <p:nvSpPr>
           <p:cNvPr id="35" name="TextBox 34">
             <a:extLst>
               <a:ext uri="{FF2B5EF4-FFF2-40B4-BE49-F238E27FC236}">
@@ -4330,7 +3532,7 @@
         <p:spPr>
           <a:xfrm>
             <a:off x="5879802" y="2519915"/>
-            <a:ext cx="811441" cy="307777"/>
+            <a:ext cx="1447832" cy="307777"/>
           </a:xfrm>
           <a:prstGeom prst="rect">
             <a:avLst/>
@@ -4344,11 +3546,11 @@
           <a:lstStyle/>
           <a:p>
             <a:r>
-              <a:rPr lang="en-US" sz="1400">
+              <a:rPr lang="en-US" sz="1400" dirty="0">
                 <a:latin typeface="Arial" panose="020B0604020202020204" pitchFamily="34" charset="0"/>
                 <a:cs typeface="Arial" panose="020B0604020202020204" pitchFamily="34" charset="0"/>
               </a:rPr>
-              <a:t>ablation</a:t>
+              <a:t>zone of ablation</a:t>
             </a:r>
           </a:p>
         </p:txBody>
@@ -5214,6 +4416,762 @@
           </a:fontRef>
         </p:style>
       </p:cxnSp>
+      <p:sp>
+        <p:nvSpPr>
+          <p:cNvPr id="38" name="Oval 37">
+            <a:extLst>
+              <a:ext uri="{FF2B5EF4-FFF2-40B4-BE49-F238E27FC236}">
+                <a16:creationId xmlns:a16="http://schemas.microsoft.com/office/drawing/2014/main" id="{3A74EAA1-946D-4844-A737-F5A163F2DBDE}"/>
+              </a:ext>
+            </a:extLst>
+          </p:cNvPr>
+          <p:cNvSpPr/>
+          <p:nvPr/>
+        </p:nvSpPr>
+        <p:spPr>
+          <a:xfrm flipH="1">
+            <a:off x="2573076" y="1449582"/>
+            <a:ext cx="113406" cy="113406"/>
+          </a:xfrm>
+          <a:prstGeom prst="ellipse">
+            <a:avLst/>
+          </a:prstGeom>
+          <a:solidFill>
+            <a:schemeClr val="tx1"/>
+          </a:solidFill>
+          <a:ln>
+            <a:solidFill>
+              <a:schemeClr val="tx1"/>
+            </a:solidFill>
+          </a:ln>
+        </p:spPr>
+        <p:style>
+          <a:lnRef idx="2">
+            <a:schemeClr val="accent1">
+              <a:shade val="50000"/>
+            </a:schemeClr>
+          </a:lnRef>
+          <a:fillRef idx="1">
+            <a:schemeClr val="accent1"/>
+          </a:fillRef>
+          <a:effectRef idx="0">
+            <a:schemeClr val="accent1"/>
+          </a:effectRef>
+          <a:fontRef idx="minor">
+            <a:schemeClr val="lt1"/>
+          </a:fontRef>
+        </p:style>
+        <p:txBody>
+          <a:bodyPr rtlCol="0" anchor="ctr"/>
+          <a:lstStyle/>
+          <a:p>
+            <a:pPr algn="ctr"/>
+            <a:endParaRPr lang="en-US"/>
+          </a:p>
+        </p:txBody>
+      </p:sp>
+      <p:sp>
+        <p:nvSpPr>
+          <p:cNvPr id="44" name="Oval 43">
+            <a:extLst>
+              <a:ext uri="{FF2B5EF4-FFF2-40B4-BE49-F238E27FC236}">
+                <a16:creationId xmlns:a16="http://schemas.microsoft.com/office/drawing/2014/main" id="{DA3072A1-7458-2748-8A88-BBF35CA7DCD2}"/>
+              </a:ext>
+            </a:extLst>
+          </p:cNvPr>
+          <p:cNvSpPr/>
+          <p:nvPr/>
+        </p:nvSpPr>
+        <p:spPr>
+          <a:xfrm flipH="1">
+            <a:off x="2725476" y="1601982"/>
+            <a:ext cx="113406" cy="113406"/>
+          </a:xfrm>
+          <a:prstGeom prst="ellipse">
+            <a:avLst/>
+          </a:prstGeom>
+          <a:solidFill>
+            <a:schemeClr val="tx1"/>
+          </a:solidFill>
+          <a:ln>
+            <a:solidFill>
+              <a:schemeClr val="tx1"/>
+            </a:solidFill>
+          </a:ln>
+        </p:spPr>
+        <p:style>
+          <a:lnRef idx="2">
+            <a:schemeClr val="accent1">
+              <a:shade val="50000"/>
+            </a:schemeClr>
+          </a:lnRef>
+          <a:fillRef idx="1">
+            <a:schemeClr val="accent1"/>
+          </a:fillRef>
+          <a:effectRef idx="0">
+            <a:schemeClr val="accent1"/>
+          </a:effectRef>
+          <a:fontRef idx="minor">
+            <a:schemeClr val="lt1"/>
+          </a:fontRef>
+        </p:style>
+        <p:txBody>
+          <a:bodyPr rtlCol="0" anchor="ctr"/>
+          <a:lstStyle/>
+          <a:p>
+            <a:pPr algn="ctr"/>
+            <a:endParaRPr lang="en-US"/>
+          </a:p>
+        </p:txBody>
+      </p:sp>
+      <p:sp>
+        <p:nvSpPr>
+          <p:cNvPr id="51" name="Oval 50">
+            <a:extLst>
+              <a:ext uri="{FF2B5EF4-FFF2-40B4-BE49-F238E27FC236}">
+                <a16:creationId xmlns:a16="http://schemas.microsoft.com/office/drawing/2014/main" id="{1844AD16-EEA3-5543-B46B-A3CC13013807}"/>
+              </a:ext>
+            </a:extLst>
+          </p:cNvPr>
+          <p:cNvSpPr/>
+          <p:nvPr/>
+        </p:nvSpPr>
+        <p:spPr>
+          <a:xfrm flipH="1">
+            <a:off x="2877876" y="1754382"/>
+            <a:ext cx="113406" cy="113406"/>
+          </a:xfrm>
+          <a:prstGeom prst="ellipse">
+            <a:avLst/>
+          </a:prstGeom>
+          <a:solidFill>
+            <a:schemeClr val="tx1"/>
+          </a:solidFill>
+          <a:ln>
+            <a:solidFill>
+              <a:schemeClr val="tx1"/>
+            </a:solidFill>
+          </a:ln>
+        </p:spPr>
+        <p:style>
+          <a:lnRef idx="2">
+            <a:schemeClr val="accent1">
+              <a:shade val="50000"/>
+            </a:schemeClr>
+          </a:lnRef>
+          <a:fillRef idx="1">
+            <a:schemeClr val="accent1"/>
+          </a:fillRef>
+          <a:effectRef idx="0">
+            <a:schemeClr val="accent1"/>
+          </a:effectRef>
+          <a:fontRef idx="minor">
+            <a:schemeClr val="lt1"/>
+          </a:fontRef>
+        </p:style>
+        <p:txBody>
+          <a:bodyPr rtlCol="0" anchor="ctr"/>
+          <a:lstStyle/>
+          <a:p>
+            <a:pPr algn="ctr"/>
+            <a:endParaRPr lang="en-US"/>
+          </a:p>
+        </p:txBody>
+      </p:sp>
+      <p:sp>
+        <p:nvSpPr>
+          <p:cNvPr id="52" name="Oval 51">
+            <a:extLst>
+              <a:ext uri="{FF2B5EF4-FFF2-40B4-BE49-F238E27FC236}">
+                <a16:creationId xmlns:a16="http://schemas.microsoft.com/office/drawing/2014/main" id="{183AD280-7622-A040-9DD7-0E38BBD4B918}"/>
+              </a:ext>
+            </a:extLst>
+          </p:cNvPr>
+          <p:cNvSpPr/>
+          <p:nvPr/>
+        </p:nvSpPr>
+        <p:spPr>
+          <a:xfrm flipH="1">
+            <a:off x="2923949" y="1460213"/>
+            <a:ext cx="113406" cy="113406"/>
+          </a:xfrm>
+          <a:prstGeom prst="ellipse">
+            <a:avLst/>
+          </a:prstGeom>
+          <a:solidFill>
+            <a:schemeClr val="tx1"/>
+          </a:solidFill>
+          <a:ln>
+            <a:solidFill>
+              <a:schemeClr val="tx1"/>
+            </a:solidFill>
+          </a:ln>
+        </p:spPr>
+        <p:style>
+          <a:lnRef idx="2">
+            <a:schemeClr val="accent1">
+              <a:shade val="50000"/>
+            </a:schemeClr>
+          </a:lnRef>
+          <a:fillRef idx="1">
+            <a:schemeClr val="accent1"/>
+          </a:fillRef>
+          <a:effectRef idx="0">
+            <a:schemeClr val="accent1"/>
+          </a:effectRef>
+          <a:fontRef idx="minor">
+            <a:schemeClr val="lt1"/>
+          </a:fontRef>
+        </p:style>
+        <p:txBody>
+          <a:bodyPr rtlCol="0" anchor="ctr"/>
+          <a:lstStyle/>
+          <a:p>
+            <a:pPr algn="ctr"/>
+            <a:endParaRPr lang="en-US"/>
+          </a:p>
+        </p:txBody>
+      </p:sp>
+      <p:sp>
+        <p:nvSpPr>
+          <p:cNvPr id="53" name="Oval 52">
+            <a:extLst>
+              <a:ext uri="{FF2B5EF4-FFF2-40B4-BE49-F238E27FC236}">
+                <a16:creationId xmlns:a16="http://schemas.microsoft.com/office/drawing/2014/main" id="{4334C0B2-51E1-2344-8CC1-6F7607E5AC6A}"/>
+              </a:ext>
+            </a:extLst>
+          </p:cNvPr>
+          <p:cNvSpPr/>
+          <p:nvPr/>
+        </p:nvSpPr>
+        <p:spPr>
+          <a:xfrm flipH="1">
+            <a:off x="3076349" y="1612613"/>
+            <a:ext cx="113406" cy="113406"/>
+          </a:xfrm>
+          <a:prstGeom prst="ellipse">
+            <a:avLst/>
+          </a:prstGeom>
+          <a:solidFill>
+            <a:schemeClr val="tx1"/>
+          </a:solidFill>
+          <a:ln>
+            <a:solidFill>
+              <a:schemeClr val="tx1"/>
+            </a:solidFill>
+          </a:ln>
+        </p:spPr>
+        <p:style>
+          <a:lnRef idx="2">
+            <a:schemeClr val="accent1">
+              <a:shade val="50000"/>
+            </a:schemeClr>
+          </a:lnRef>
+          <a:fillRef idx="1">
+            <a:schemeClr val="accent1"/>
+          </a:fillRef>
+          <a:effectRef idx="0">
+            <a:schemeClr val="accent1"/>
+          </a:effectRef>
+          <a:fontRef idx="minor">
+            <a:schemeClr val="lt1"/>
+          </a:fontRef>
+        </p:style>
+        <p:txBody>
+          <a:bodyPr rtlCol="0" anchor="ctr"/>
+          <a:lstStyle/>
+          <a:p>
+            <a:pPr algn="ctr"/>
+            <a:endParaRPr lang="en-US"/>
+          </a:p>
+        </p:txBody>
+      </p:sp>
+      <p:sp>
+        <p:nvSpPr>
+          <p:cNvPr id="54" name="Oval 53">
+            <a:extLst>
+              <a:ext uri="{FF2B5EF4-FFF2-40B4-BE49-F238E27FC236}">
+                <a16:creationId xmlns:a16="http://schemas.microsoft.com/office/drawing/2014/main" id="{A3ACC1D2-CD29-7B46-AAB9-D90A71155B01}"/>
+              </a:ext>
+            </a:extLst>
+          </p:cNvPr>
+          <p:cNvSpPr/>
+          <p:nvPr/>
+        </p:nvSpPr>
+        <p:spPr>
+          <a:xfrm flipH="1">
+            <a:off x="3228749" y="1765013"/>
+            <a:ext cx="113406" cy="113406"/>
+          </a:xfrm>
+          <a:prstGeom prst="ellipse">
+            <a:avLst/>
+          </a:prstGeom>
+          <a:solidFill>
+            <a:schemeClr val="tx1"/>
+          </a:solidFill>
+          <a:ln>
+            <a:solidFill>
+              <a:schemeClr val="tx1"/>
+            </a:solidFill>
+          </a:ln>
+        </p:spPr>
+        <p:style>
+          <a:lnRef idx="2">
+            <a:schemeClr val="accent1">
+              <a:shade val="50000"/>
+            </a:schemeClr>
+          </a:lnRef>
+          <a:fillRef idx="1">
+            <a:schemeClr val="accent1"/>
+          </a:fillRef>
+          <a:effectRef idx="0">
+            <a:schemeClr val="accent1"/>
+          </a:effectRef>
+          <a:fontRef idx="minor">
+            <a:schemeClr val="lt1"/>
+          </a:fontRef>
+        </p:style>
+        <p:txBody>
+          <a:bodyPr rtlCol="0" anchor="ctr"/>
+          <a:lstStyle/>
+          <a:p>
+            <a:pPr algn="ctr"/>
+            <a:endParaRPr lang="en-US"/>
+          </a:p>
+        </p:txBody>
+      </p:sp>
+      <p:sp>
+        <p:nvSpPr>
+          <p:cNvPr id="55" name="Oval 54">
+            <a:extLst>
+              <a:ext uri="{FF2B5EF4-FFF2-40B4-BE49-F238E27FC236}">
+                <a16:creationId xmlns:a16="http://schemas.microsoft.com/office/drawing/2014/main" id="{8D56D3D5-582A-D34C-AB8D-D75BAC1316A9}"/>
+              </a:ext>
+            </a:extLst>
+          </p:cNvPr>
+          <p:cNvSpPr/>
+          <p:nvPr/>
+        </p:nvSpPr>
+        <p:spPr>
+          <a:xfrm flipH="1">
+            <a:off x="3526460" y="1626787"/>
+            <a:ext cx="113406" cy="113406"/>
+          </a:xfrm>
+          <a:prstGeom prst="ellipse">
+            <a:avLst/>
+          </a:prstGeom>
+          <a:solidFill>
+            <a:schemeClr val="tx1"/>
+          </a:solidFill>
+          <a:ln>
+            <a:solidFill>
+              <a:schemeClr val="tx1"/>
+            </a:solidFill>
+          </a:ln>
+        </p:spPr>
+        <p:style>
+          <a:lnRef idx="2">
+            <a:schemeClr val="accent1">
+              <a:shade val="50000"/>
+            </a:schemeClr>
+          </a:lnRef>
+          <a:fillRef idx="1">
+            <a:schemeClr val="accent1"/>
+          </a:fillRef>
+          <a:effectRef idx="0">
+            <a:schemeClr val="accent1"/>
+          </a:effectRef>
+          <a:fontRef idx="minor">
+            <a:schemeClr val="lt1"/>
+          </a:fontRef>
+        </p:style>
+        <p:txBody>
+          <a:bodyPr rtlCol="0" anchor="ctr"/>
+          <a:lstStyle/>
+          <a:p>
+            <a:pPr algn="ctr"/>
+            <a:endParaRPr lang="en-US"/>
+          </a:p>
+        </p:txBody>
+      </p:sp>
+      <p:sp>
+        <p:nvSpPr>
+          <p:cNvPr id="56" name="Oval 55">
+            <a:extLst>
+              <a:ext uri="{FF2B5EF4-FFF2-40B4-BE49-F238E27FC236}">
+                <a16:creationId xmlns:a16="http://schemas.microsoft.com/office/drawing/2014/main" id="{5F2CFD8C-98B7-BA4E-8912-782AAD90D23E}"/>
+              </a:ext>
+            </a:extLst>
+          </p:cNvPr>
+          <p:cNvSpPr/>
+          <p:nvPr/>
+        </p:nvSpPr>
+        <p:spPr>
+          <a:xfrm flipH="1">
+            <a:off x="3678860" y="1779187"/>
+            <a:ext cx="113406" cy="113406"/>
+          </a:xfrm>
+          <a:prstGeom prst="ellipse">
+            <a:avLst/>
+          </a:prstGeom>
+          <a:solidFill>
+            <a:schemeClr val="tx1"/>
+          </a:solidFill>
+          <a:ln>
+            <a:solidFill>
+              <a:schemeClr val="tx1"/>
+            </a:solidFill>
+          </a:ln>
+        </p:spPr>
+        <p:style>
+          <a:lnRef idx="2">
+            <a:schemeClr val="accent1">
+              <a:shade val="50000"/>
+            </a:schemeClr>
+          </a:lnRef>
+          <a:fillRef idx="1">
+            <a:schemeClr val="accent1"/>
+          </a:fillRef>
+          <a:effectRef idx="0">
+            <a:schemeClr val="accent1"/>
+          </a:effectRef>
+          <a:fontRef idx="minor">
+            <a:schemeClr val="lt1"/>
+          </a:fontRef>
+        </p:style>
+        <p:txBody>
+          <a:bodyPr rtlCol="0" anchor="ctr"/>
+          <a:lstStyle/>
+          <a:p>
+            <a:pPr algn="ctr"/>
+            <a:endParaRPr lang="en-US"/>
+          </a:p>
+        </p:txBody>
+      </p:sp>
+      <p:sp>
+        <p:nvSpPr>
+          <p:cNvPr id="60" name="Oval 59">
+            <a:extLst>
+              <a:ext uri="{FF2B5EF4-FFF2-40B4-BE49-F238E27FC236}">
+                <a16:creationId xmlns:a16="http://schemas.microsoft.com/office/drawing/2014/main" id="{F4FC136D-0E26-2B42-B778-C636FD9B8A83}"/>
+              </a:ext>
+            </a:extLst>
+          </p:cNvPr>
+          <p:cNvSpPr/>
+          <p:nvPr/>
+        </p:nvSpPr>
+        <p:spPr>
+          <a:xfrm flipH="1">
+            <a:off x="3405957" y="1485020"/>
+            <a:ext cx="113406" cy="113406"/>
+          </a:xfrm>
+          <a:prstGeom prst="ellipse">
+            <a:avLst/>
+          </a:prstGeom>
+          <a:solidFill>
+            <a:schemeClr val="tx1"/>
+          </a:solidFill>
+          <a:ln>
+            <a:solidFill>
+              <a:schemeClr val="tx1"/>
+            </a:solidFill>
+          </a:ln>
+        </p:spPr>
+        <p:style>
+          <a:lnRef idx="2">
+            <a:schemeClr val="accent1">
+              <a:shade val="50000"/>
+            </a:schemeClr>
+          </a:lnRef>
+          <a:fillRef idx="1">
+            <a:schemeClr val="accent1"/>
+          </a:fillRef>
+          <a:effectRef idx="0">
+            <a:schemeClr val="accent1"/>
+          </a:effectRef>
+          <a:fontRef idx="minor">
+            <a:schemeClr val="lt1"/>
+          </a:fontRef>
+        </p:style>
+        <p:txBody>
+          <a:bodyPr rtlCol="0" anchor="ctr"/>
+          <a:lstStyle/>
+          <a:p>
+            <a:pPr algn="ctr"/>
+            <a:endParaRPr lang="en-US"/>
+          </a:p>
+        </p:txBody>
+      </p:sp>
+      <p:sp>
+        <p:nvSpPr>
+          <p:cNvPr id="61" name="Oval 60">
+            <a:extLst>
+              <a:ext uri="{FF2B5EF4-FFF2-40B4-BE49-F238E27FC236}">
+                <a16:creationId xmlns:a16="http://schemas.microsoft.com/office/drawing/2014/main" id="{AB2FE362-38EF-C04E-AE64-3A691D8E8BCC}"/>
+              </a:ext>
+            </a:extLst>
+          </p:cNvPr>
+          <p:cNvSpPr/>
+          <p:nvPr/>
+        </p:nvSpPr>
+        <p:spPr>
+          <a:xfrm flipH="1">
+            <a:off x="3799359" y="1559444"/>
+            <a:ext cx="113406" cy="113406"/>
+          </a:xfrm>
+          <a:prstGeom prst="ellipse">
+            <a:avLst/>
+          </a:prstGeom>
+          <a:solidFill>
+            <a:schemeClr val="tx1"/>
+          </a:solidFill>
+          <a:ln>
+            <a:solidFill>
+              <a:schemeClr val="tx1"/>
+            </a:solidFill>
+          </a:ln>
+        </p:spPr>
+        <p:style>
+          <a:lnRef idx="2">
+            <a:schemeClr val="accent1">
+              <a:shade val="50000"/>
+            </a:schemeClr>
+          </a:lnRef>
+          <a:fillRef idx="1">
+            <a:schemeClr val="accent1"/>
+          </a:fillRef>
+          <a:effectRef idx="0">
+            <a:schemeClr val="accent1"/>
+          </a:effectRef>
+          <a:fontRef idx="minor">
+            <a:schemeClr val="lt1"/>
+          </a:fontRef>
+        </p:style>
+        <p:txBody>
+          <a:bodyPr rtlCol="0" anchor="ctr"/>
+          <a:lstStyle/>
+          <a:p>
+            <a:pPr algn="ctr"/>
+            <a:endParaRPr lang="en-US"/>
+          </a:p>
+        </p:txBody>
+      </p:sp>
+      <p:sp>
+        <p:nvSpPr>
+          <p:cNvPr id="62" name="Oval 61">
+            <a:extLst>
+              <a:ext uri="{FF2B5EF4-FFF2-40B4-BE49-F238E27FC236}">
+                <a16:creationId xmlns:a16="http://schemas.microsoft.com/office/drawing/2014/main" id="{D73C8344-ED76-F54B-8B39-031840E12BC6}"/>
+              </a:ext>
+            </a:extLst>
+          </p:cNvPr>
+          <p:cNvSpPr/>
+          <p:nvPr/>
+        </p:nvSpPr>
+        <p:spPr>
+          <a:xfrm flipH="1">
+            <a:off x="3951759" y="1711844"/>
+            <a:ext cx="113406" cy="113406"/>
+          </a:xfrm>
+          <a:prstGeom prst="ellipse">
+            <a:avLst/>
+          </a:prstGeom>
+          <a:solidFill>
+            <a:schemeClr val="tx1"/>
+          </a:solidFill>
+          <a:ln>
+            <a:solidFill>
+              <a:schemeClr val="tx1"/>
+            </a:solidFill>
+          </a:ln>
+        </p:spPr>
+        <p:style>
+          <a:lnRef idx="2">
+            <a:schemeClr val="accent1">
+              <a:shade val="50000"/>
+            </a:schemeClr>
+          </a:lnRef>
+          <a:fillRef idx="1">
+            <a:schemeClr val="accent1"/>
+          </a:fillRef>
+          <a:effectRef idx="0">
+            <a:schemeClr val="accent1"/>
+          </a:effectRef>
+          <a:fontRef idx="minor">
+            <a:schemeClr val="lt1"/>
+          </a:fontRef>
+        </p:style>
+        <p:txBody>
+          <a:bodyPr rtlCol="0" anchor="ctr"/>
+          <a:lstStyle/>
+          <a:p>
+            <a:pPr algn="ctr"/>
+            <a:endParaRPr lang="en-US"/>
+          </a:p>
+        </p:txBody>
+      </p:sp>
+      <p:sp>
+        <p:nvSpPr>
+          <p:cNvPr id="63" name="Oval 62">
+            <a:extLst>
+              <a:ext uri="{FF2B5EF4-FFF2-40B4-BE49-F238E27FC236}">
+                <a16:creationId xmlns:a16="http://schemas.microsoft.com/office/drawing/2014/main" id="{883498EF-40D9-2640-8F10-64CDA2164523}"/>
+              </a:ext>
+            </a:extLst>
+          </p:cNvPr>
+          <p:cNvSpPr/>
+          <p:nvPr/>
+        </p:nvSpPr>
+        <p:spPr>
+          <a:xfrm flipH="1">
+            <a:off x="2154854" y="1414129"/>
+            <a:ext cx="113406" cy="113406"/>
+          </a:xfrm>
+          <a:prstGeom prst="ellipse">
+            <a:avLst/>
+          </a:prstGeom>
+          <a:solidFill>
+            <a:schemeClr val="tx1"/>
+          </a:solidFill>
+          <a:ln>
+            <a:solidFill>
+              <a:schemeClr val="tx1"/>
+            </a:solidFill>
+          </a:ln>
+        </p:spPr>
+        <p:style>
+          <a:lnRef idx="2">
+            <a:schemeClr val="accent1">
+              <a:shade val="50000"/>
+            </a:schemeClr>
+          </a:lnRef>
+          <a:fillRef idx="1">
+            <a:schemeClr val="accent1"/>
+          </a:fillRef>
+          <a:effectRef idx="0">
+            <a:schemeClr val="accent1"/>
+          </a:effectRef>
+          <a:fontRef idx="minor">
+            <a:schemeClr val="lt1"/>
+          </a:fontRef>
+        </p:style>
+        <p:txBody>
+          <a:bodyPr rtlCol="0" anchor="ctr"/>
+          <a:lstStyle/>
+          <a:p>
+            <a:pPr algn="ctr"/>
+            <a:endParaRPr lang="en-US"/>
+          </a:p>
+        </p:txBody>
+      </p:sp>
+      <p:sp>
+        <p:nvSpPr>
+          <p:cNvPr id="64" name="Oval 63">
+            <a:extLst>
+              <a:ext uri="{FF2B5EF4-FFF2-40B4-BE49-F238E27FC236}">
+                <a16:creationId xmlns:a16="http://schemas.microsoft.com/office/drawing/2014/main" id="{62B49B5F-81D3-5942-BF34-871EB8087466}"/>
+              </a:ext>
+            </a:extLst>
+          </p:cNvPr>
+          <p:cNvSpPr/>
+          <p:nvPr/>
+        </p:nvSpPr>
+        <p:spPr>
+          <a:xfrm flipH="1">
+            <a:off x="2307254" y="1566529"/>
+            <a:ext cx="113406" cy="113406"/>
+          </a:xfrm>
+          <a:prstGeom prst="ellipse">
+            <a:avLst/>
+          </a:prstGeom>
+          <a:solidFill>
+            <a:schemeClr val="tx1"/>
+          </a:solidFill>
+          <a:ln>
+            <a:solidFill>
+              <a:schemeClr val="tx1"/>
+            </a:solidFill>
+          </a:ln>
+        </p:spPr>
+        <p:style>
+          <a:lnRef idx="2">
+            <a:schemeClr val="accent1">
+              <a:shade val="50000"/>
+            </a:schemeClr>
+          </a:lnRef>
+          <a:fillRef idx="1">
+            <a:schemeClr val="accent1"/>
+          </a:fillRef>
+          <a:effectRef idx="0">
+            <a:schemeClr val="accent1"/>
+          </a:effectRef>
+          <a:fontRef idx="minor">
+            <a:schemeClr val="lt1"/>
+          </a:fontRef>
+        </p:style>
+        <p:txBody>
+          <a:bodyPr rtlCol="0" anchor="ctr"/>
+          <a:lstStyle/>
+          <a:p>
+            <a:pPr algn="ctr"/>
+            <a:endParaRPr lang="en-US"/>
+          </a:p>
+        </p:txBody>
+      </p:sp>
+      <p:sp>
+        <p:nvSpPr>
+          <p:cNvPr id="65" name="Oval 64">
+            <a:extLst>
+              <a:ext uri="{FF2B5EF4-FFF2-40B4-BE49-F238E27FC236}">
+                <a16:creationId xmlns:a16="http://schemas.microsoft.com/office/drawing/2014/main" id="{7FA68207-D1FB-CB48-886F-6D0BFC14B55C}"/>
+              </a:ext>
+            </a:extLst>
+          </p:cNvPr>
+          <p:cNvSpPr/>
+          <p:nvPr/>
+        </p:nvSpPr>
+        <p:spPr>
+          <a:xfrm flipH="1">
+            <a:off x="2459654" y="1718929"/>
+            <a:ext cx="113406" cy="113406"/>
+          </a:xfrm>
+          <a:prstGeom prst="ellipse">
+            <a:avLst/>
+          </a:prstGeom>
+          <a:solidFill>
+            <a:schemeClr val="tx1"/>
+          </a:solidFill>
+          <a:ln>
+            <a:solidFill>
+              <a:schemeClr val="tx1"/>
+            </a:solidFill>
+          </a:ln>
+        </p:spPr>
+        <p:style>
+          <a:lnRef idx="2">
+            <a:schemeClr val="accent1">
+              <a:shade val="50000"/>
+            </a:schemeClr>
+          </a:lnRef>
+          <a:fillRef idx="1">
+            <a:schemeClr val="accent1"/>
+          </a:fillRef>
+          <a:effectRef idx="0">
+            <a:schemeClr val="accent1"/>
+          </a:effectRef>
+          <a:fontRef idx="minor">
+            <a:schemeClr val="lt1"/>
+          </a:fontRef>
+        </p:style>
+        <p:txBody>
+          <a:bodyPr rtlCol="0" anchor="ctr"/>
+          <a:lstStyle/>
+          <a:p>
+            <a:pPr algn="ctr"/>
+            <a:endParaRPr lang="en-US"/>
+          </a:p>
+        </p:txBody>
+      </p:sp>
     </p:spTree>
     <p:extLst>
       <p:ext uri="{BB962C8B-B14F-4D97-AF65-F5344CB8AC3E}">
